--- a/graphics/Competition Framework/Competition Framework.pptx
+++ b/graphics/Competition Framework/Competition Framework.pptx
@@ -104,6 +104,11 @@
       </a:defRPr>
     </a:lvl9pPr>
   </p:defaultTextStyle>
+  <p:extLst>
+    <p:ext uri="{EFAFB233-063F-42B5-8137-9DF3F51BA10A}">
+      <p15:sldGuideLst xmlns:p15="http://schemas.microsoft.com/office/powerpoint/2012/main"/>
+    </p:ext>
+  </p:extLst>
 </p:presentation>
 </file>
 
@@ -291,7 +296,7 @@
           <a:p>
             <a:fld id="{74D801BA-1624-441F-8695-3F0C82B435C2}" type="datetimeFigureOut">
               <a:rPr lang="en-US" smtClean="0"/>
-              <a:t>8/31/2024</a:t>
+              <a:t>2/21/2025</a:t>
             </a:fld>
             <a:endParaRPr lang="en-US"/>
           </a:p>
@@ -489,7 +494,7 @@
           <a:p>
             <a:fld id="{74D801BA-1624-441F-8695-3F0C82B435C2}" type="datetimeFigureOut">
               <a:rPr lang="en-US" smtClean="0"/>
-              <a:t>8/31/2024</a:t>
+              <a:t>2/21/2025</a:t>
             </a:fld>
             <a:endParaRPr lang="en-US"/>
           </a:p>
@@ -697,7 +702,7 @@
           <a:p>
             <a:fld id="{74D801BA-1624-441F-8695-3F0C82B435C2}" type="datetimeFigureOut">
               <a:rPr lang="en-US" smtClean="0"/>
-              <a:t>8/31/2024</a:t>
+              <a:t>2/21/2025</a:t>
             </a:fld>
             <a:endParaRPr lang="en-US"/>
           </a:p>
@@ -895,7 +900,7 @@
           <a:p>
             <a:fld id="{74D801BA-1624-441F-8695-3F0C82B435C2}" type="datetimeFigureOut">
               <a:rPr lang="en-US" smtClean="0"/>
-              <a:t>8/31/2024</a:t>
+              <a:t>2/21/2025</a:t>
             </a:fld>
             <a:endParaRPr lang="en-US"/>
           </a:p>
@@ -1170,7 +1175,7 @@
           <a:p>
             <a:fld id="{74D801BA-1624-441F-8695-3F0C82B435C2}" type="datetimeFigureOut">
               <a:rPr lang="en-US" smtClean="0"/>
-              <a:t>8/31/2024</a:t>
+              <a:t>2/21/2025</a:t>
             </a:fld>
             <a:endParaRPr lang="en-US"/>
           </a:p>
@@ -1435,7 +1440,7 @@
           <a:p>
             <a:fld id="{74D801BA-1624-441F-8695-3F0C82B435C2}" type="datetimeFigureOut">
               <a:rPr lang="en-US" smtClean="0"/>
-              <a:t>8/31/2024</a:t>
+              <a:t>2/21/2025</a:t>
             </a:fld>
             <a:endParaRPr lang="en-US"/>
           </a:p>
@@ -1847,7 +1852,7 @@
           <a:p>
             <a:fld id="{74D801BA-1624-441F-8695-3F0C82B435C2}" type="datetimeFigureOut">
               <a:rPr lang="en-US" smtClean="0"/>
-              <a:t>8/31/2024</a:t>
+              <a:t>2/21/2025</a:t>
             </a:fld>
             <a:endParaRPr lang="en-US"/>
           </a:p>
@@ -1988,7 +1993,7 @@
           <a:p>
             <a:fld id="{74D801BA-1624-441F-8695-3F0C82B435C2}" type="datetimeFigureOut">
               <a:rPr lang="en-US" smtClean="0"/>
-              <a:t>8/31/2024</a:t>
+              <a:t>2/21/2025</a:t>
             </a:fld>
             <a:endParaRPr lang="en-US"/>
           </a:p>
@@ -2101,7 +2106,7 @@
           <a:p>
             <a:fld id="{74D801BA-1624-441F-8695-3F0C82B435C2}" type="datetimeFigureOut">
               <a:rPr lang="en-US" smtClean="0"/>
-              <a:t>8/31/2024</a:t>
+              <a:t>2/21/2025</a:t>
             </a:fld>
             <a:endParaRPr lang="en-US"/>
           </a:p>
@@ -2412,7 +2417,7 @@
           <a:p>
             <a:fld id="{74D801BA-1624-441F-8695-3F0C82B435C2}" type="datetimeFigureOut">
               <a:rPr lang="en-US" smtClean="0"/>
-              <a:t>8/31/2024</a:t>
+              <a:t>2/21/2025</a:t>
             </a:fld>
             <a:endParaRPr lang="en-US"/>
           </a:p>
@@ -2700,7 +2705,7 @@
           <a:p>
             <a:fld id="{74D801BA-1624-441F-8695-3F0C82B435C2}" type="datetimeFigureOut">
               <a:rPr lang="en-US" smtClean="0"/>
-              <a:t>8/31/2024</a:t>
+              <a:t>2/21/2025</a:t>
             </a:fld>
             <a:endParaRPr lang="en-US"/>
           </a:p>
@@ -2941,7 +2946,7 @@
           <a:p>
             <a:fld id="{74D801BA-1624-441F-8695-3F0C82B435C2}" type="datetimeFigureOut">
               <a:rPr lang="en-US" smtClean="0"/>
-              <a:t>8/31/2024</a:t>
+              <a:t>2/21/2025</a:t>
             </a:fld>
             <a:endParaRPr lang="en-US"/>
           </a:p>
@@ -3360,10 +3365,10 @@
       </p:grpSpPr>
       <p:grpSp>
         <p:nvGrpSpPr>
-          <p:cNvPr id="28" name="Group 27">
-            <a:extLst>
-              <a:ext uri="{FF2B5EF4-FFF2-40B4-BE49-F238E27FC236}">
-                <a16:creationId xmlns:a16="http://schemas.microsoft.com/office/drawing/2014/main" id="{C0BEDDA1-D6F6-E13F-7B67-CE902E9CC20F}"/>
+          <p:cNvPr id="2" name="Group 1">
+            <a:extLst>
+              <a:ext uri="{FF2B5EF4-FFF2-40B4-BE49-F238E27FC236}">
+                <a16:creationId xmlns:a16="http://schemas.microsoft.com/office/drawing/2014/main" id="{84F082D9-DC4F-8030-6BCF-45EBF31C7E03}"/>
               </a:ext>
             </a:extLst>
           </p:cNvPr>
@@ -4045,10 +4050,10 @@
         </mc:AlternateContent>
         <p:pic>
           <p:nvPicPr>
-            <p:cNvPr id="25" name="Picture 24" descr="A purple and blue logo&#10;&#10;Description automatically generated">
+            <p:cNvPr id="15" name="Picture 14" descr="A logo with a black background&#10;&#10;AI-generated content may be incorrect.">
               <a:extLst>
                 <a:ext uri="{FF2B5EF4-FFF2-40B4-BE49-F238E27FC236}">
-                  <a16:creationId xmlns:a16="http://schemas.microsoft.com/office/drawing/2014/main" id="{E84BE2A0-CE42-8802-B06C-87134B87F37C}"/>
+                  <a16:creationId xmlns:a16="http://schemas.microsoft.com/office/drawing/2014/main" id="{E6ADC101-65AF-E333-3C9F-7A5459E6B13A}"/>
                 </a:ext>
               </a:extLst>
             </p:cNvPr>
@@ -4071,8 +4076,8 @@
           </p:blipFill>
           <p:spPr>
             <a:xfrm>
-              <a:off x="1413030" y="1857561"/>
-              <a:ext cx="1143000" cy="1143000"/>
+              <a:off x="1512576" y="1991049"/>
+              <a:ext cx="1143000" cy="735406"/>
             </a:xfrm>
             <a:prstGeom prst="rect">
               <a:avLst/>
